--- a/angular/Angular.pptx
+++ b/angular/Angular.pptx
@@ -6803,7 +6803,7 @@
         <p:spPr>
           <a:xfrm>
             <a:off x="4013617" y="2767280"/>
-            <a:ext cx="9272665" cy="369332"/>
+            <a:ext cx="9272665" cy="646331"/>
           </a:xfrm>
           <a:prstGeom prst="rect">
             <a:avLst/>
@@ -6819,7 +6819,7 @@
             <a:pPr algn="ctr"/>
             <a:r>
               <a:rPr lang="en-US" dirty="0"/>
-              <a:t>https://sourceforge.net/projects/nvm-for-windows.mirror/</a:t>
+              <a:t>https://sourceforge.net/projects/nvm-for-windows.mirror/files/1.1.12/nvm-setup.exe/download</a:t>
             </a:r>
           </a:p>
         </p:txBody>
